--- a/protocol.pptx
+++ b/protocol.pptx
@@ -243,7 +243,7 @@
           <a:p>
             <a:fld id="{A0BA2455-4F6E-4CAD-A233-04ACA77AF6CF}" type="datetimeFigureOut">
               <a:rPr lang="da-DK" smtClean="0"/>
-              <a:t>02-11-2016</a:t>
+              <a:t>03-11-2016</a:t>
             </a:fld>
             <a:endParaRPr lang="da-DK"/>
           </a:p>
@@ -413,7 +413,7 @@
           <a:p>
             <a:fld id="{A0BA2455-4F6E-4CAD-A233-04ACA77AF6CF}" type="datetimeFigureOut">
               <a:rPr lang="da-DK" smtClean="0"/>
-              <a:t>02-11-2016</a:t>
+              <a:t>03-11-2016</a:t>
             </a:fld>
             <a:endParaRPr lang="da-DK"/>
           </a:p>
@@ -593,7 +593,7 @@
           <a:p>
             <a:fld id="{A0BA2455-4F6E-4CAD-A233-04ACA77AF6CF}" type="datetimeFigureOut">
               <a:rPr lang="da-DK" smtClean="0"/>
-              <a:t>02-11-2016</a:t>
+              <a:t>03-11-2016</a:t>
             </a:fld>
             <a:endParaRPr lang="da-DK"/>
           </a:p>
@@ -763,7 +763,7 @@
           <a:p>
             <a:fld id="{A0BA2455-4F6E-4CAD-A233-04ACA77AF6CF}" type="datetimeFigureOut">
               <a:rPr lang="da-DK" smtClean="0"/>
-              <a:t>02-11-2016</a:t>
+              <a:t>03-11-2016</a:t>
             </a:fld>
             <a:endParaRPr lang="da-DK"/>
           </a:p>
@@ -1009,7 +1009,7 @@
           <a:p>
             <a:fld id="{A0BA2455-4F6E-4CAD-A233-04ACA77AF6CF}" type="datetimeFigureOut">
               <a:rPr lang="da-DK" smtClean="0"/>
-              <a:t>02-11-2016</a:t>
+              <a:t>03-11-2016</a:t>
             </a:fld>
             <a:endParaRPr lang="da-DK"/>
           </a:p>
@@ -1241,7 +1241,7 @@
           <a:p>
             <a:fld id="{A0BA2455-4F6E-4CAD-A233-04ACA77AF6CF}" type="datetimeFigureOut">
               <a:rPr lang="da-DK" smtClean="0"/>
-              <a:t>02-11-2016</a:t>
+              <a:t>03-11-2016</a:t>
             </a:fld>
             <a:endParaRPr lang="da-DK"/>
           </a:p>
@@ -1608,7 +1608,7 @@
           <a:p>
             <a:fld id="{A0BA2455-4F6E-4CAD-A233-04ACA77AF6CF}" type="datetimeFigureOut">
               <a:rPr lang="da-DK" smtClean="0"/>
-              <a:t>02-11-2016</a:t>
+              <a:t>03-11-2016</a:t>
             </a:fld>
             <a:endParaRPr lang="da-DK"/>
           </a:p>
@@ -1726,7 +1726,7 @@
           <a:p>
             <a:fld id="{A0BA2455-4F6E-4CAD-A233-04ACA77AF6CF}" type="datetimeFigureOut">
               <a:rPr lang="da-DK" smtClean="0"/>
-              <a:t>02-11-2016</a:t>
+              <a:t>03-11-2016</a:t>
             </a:fld>
             <a:endParaRPr lang="da-DK"/>
           </a:p>
@@ -1821,7 +1821,7 @@
           <a:p>
             <a:fld id="{A0BA2455-4F6E-4CAD-A233-04ACA77AF6CF}" type="datetimeFigureOut">
               <a:rPr lang="da-DK" smtClean="0"/>
-              <a:t>02-11-2016</a:t>
+              <a:t>03-11-2016</a:t>
             </a:fld>
             <a:endParaRPr lang="da-DK"/>
           </a:p>
@@ -2098,7 +2098,7 @@
           <a:p>
             <a:fld id="{A0BA2455-4F6E-4CAD-A233-04ACA77AF6CF}" type="datetimeFigureOut">
               <a:rPr lang="da-DK" smtClean="0"/>
-              <a:t>02-11-2016</a:t>
+              <a:t>03-11-2016</a:t>
             </a:fld>
             <a:endParaRPr lang="da-DK"/>
           </a:p>
@@ -2351,7 +2351,7 @@
           <a:p>
             <a:fld id="{A0BA2455-4F6E-4CAD-A233-04ACA77AF6CF}" type="datetimeFigureOut">
               <a:rPr lang="da-DK" smtClean="0"/>
-              <a:t>02-11-2016</a:t>
+              <a:t>03-11-2016</a:t>
             </a:fld>
             <a:endParaRPr lang="da-DK"/>
           </a:p>
@@ -2564,7 +2564,7 @@
           <a:p>
             <a:fld id="{A0BA2455-4F6E-4CAD-A233-04ACA77AF6CF}" type="datetimeFigureOut">
               <a:rPr lang="da-DK" smtClean="0"/>
-              <a:t>02-11-2016</a:t>
+              <a:t>03-11-2016</a:t>
             </a:fld>
             <a:endParaRPr lang="da-DK"/>
           </a:p>
@@ -4457,7 +4457,7 @@
         </p:nvSpPr>
         <p:spPr>
           <a:xfrm>
-            <a:off x="297818" y="4148770"/>
+            <a:off x="1163111" y="4305039"/>
             <a:ext cx="1492544" cy="485894"/>
           </a:xfrm>
           <a:prstGeom prst="roundRect">
@@ -4575,11 +4575,7 @@
             <a:pPr algn="ctr"/>
             <a:r>
               <a:rPr lang="en-US" sz="900" dirty="0" smtClean="0"/>
-              <a:t>Compare </a:t>
-            </a:r>
-            <a:r>
-              <a:rPr lang="en-US" sz="900" dirty="0" smtClean="0"/>
-              <a:t>checksums. If NOT identical, continue</a:t>
+              <a:t>Compare checksums. If NOT identical, continue</a:t>
             </a:r>
             <a:endParaRPr lang="da-DK" sz="900" dirty="0"/>
           </a:p>
@@ -4944,8 +4940,8 @@
         </p:nvCxnSpPr>
         <p:spPr>
           <a:xfrm>
-            <a:off x="1790362" y="4391717"/>
-            <a:ext cx="2088873" cy="1522898"/>
+            <a:off x="2655655" y="4547986"/>
+            <a:ext cx="1223580" cy="1366629"/>
           </a:xfrm>
           <a:prstGeom prst="line">
             <a:avLst/>
@@ -5307,7 +5303,6 @@
               <a:rPr lang="en-US" dirty="0" smtClean="0"/>
               <a:t>Send data</a:t>
             </a:r>
-            <a:endParaRPr lang="en-US" dirty="0" smtClean="0"/>
           </a:p>
           <a:p>
             <a:pPr algn="ctr"/>
